--- a/content/talks/Financial Economics Seminar 2023/files/atp-cost-of-borrowing_disloyal-managers.pptx
+++ b/content/talks/Financial Economics Seminar 2023/files/atp-cost-of-borrowing_disloyal-managers.pptx
@@ -132,14 +132,6 @@
     </p:ext>
   </p:extLst>
 </p:presentation>
-</file>
-
-<file path=ppt/revisionInfo.xml><?xml version="1.0" encoding="utf-8"?>
-<p1510:revInfo xmlns:a="http://schemas.openxmlformats.org/drawingml/2006/main" xmlns:r="http://schemas.openxmlformats.org/officeDocument/2006/relationships" xmlns:p1510="http://schemas.microsoft.com/office/powerpoint/2015/10/main">
-  <p1510:revLst>
-    <p1510:client id="{F25C9CDF-8624-49E3-9992-1E29409A7D08}" v="51" dt="2023-02-26T22:21:15.631"/>
-  </p1510:revLst>
-</p1510:revInfo>
 </file>
 
 <file path=ppt/changesInfos/changesInfo1.xml><?xml version="1.0" encoding="utf-8"?>
@@ -1943,6 +1935,30 @@
       </pc:sldChg>
     </pc:docChg>
   </pc:docChgLst>
+  <pc:docChgLst>
+    <pc:chgData name="Bozman, Adam Nathaniel" userId="f0638ef9-1deb-4360-a9b3-4111be3bf51a" providerId="ADAL" clId="{D8C48C24-E634-47CA-801F-90717D5C5D3D}"/>
+    <pc:docChg chg="modSld">
+      <pc:chgData name="Bozman, Adam Nathaniel" userId="f0638ef9-1deb-4360-a9b3-4111be3bf51a" providerId="ADAL" clId="{D8C48C24-E634-47CA-801F-90717D5C5D3D}" dt="2023-02-28T17:09:14.510" v="0" actId="20577"/>
+      <pc:docMkLst>
+        <pc:docMk/>
+      </pc:docMkLst>
+      <pc:sldChg chg="modSp mod">
+        <pc:chgData name="Bozman, Adam Nathaniel" userId="f0638ef9-1deb-4360-a9b3-4111be3bf51a" providerId="ADAL" clId="{D8C48C24-E634-47CA-801F-90717D5C5D3D}" dt="2023-02-28T17:09:14.510" v="0" actId="20577"/>
+        <pc:sldMkLst>
+          <pc:docMk/>
+          <pc:sldMk cId="915581731" sldId="286"/>
+        </pc:sldMkLst>
+        <pc:spChg chg="mod">
+          <ac:chgData name="Bozman, Adam Nathaniel" userId="f0638ef9-1deb-4360-a9b3-4111be3bf51a" providerId="ADAL" clId="{D8C48C24-E634-47CA-801F-90717D5C5D3D}" dt="2023-02-28T17:09:14.510" v="0" actId="20577"/>
+          <ac:spMkLst>
+            <pc:docMk/>
+            <pc:sldMk cId="915581731" sldId="286"/>
+            <ac:spMk id="6" creationId="{EEF0D0AF-BA9D-BA4C-AB3F-F8D9E7955440}"/>
+          </ac:spMkLst>
+        </pc:spChg>
+      </pc:sldChg>
+    </pc:docChg>
+  </pc:docChgLst>
 </pc:chgInfo>
 </file>
 
@@ -2077,7 +2093,7 @@
           <a:p>
             <a:fld id="{91F9259A-1FE3-4FF9-8A07-BDD8177164ED}" type="datetime4">
               <a:rPr lang="en-US" smtClean="0"/>
-              <a:t>February 26, 2023</a:t>
+              <a:t>February 28, 2023</a:t>
             </a:fld>
             <a:endParaRPr lang="en-US"/>
           </a:p>
@@ -2247,7 +2263,7 @@
           <a:p>
             <a:fld id="{E5CC3C8F-D4A7-4EAD-92AD-82C91CB8BB85}" type="datetime4">
               <a:rPr lang="en-US" smtClean="0"/>
-              <a:t>February 26, 2023</a:t>
+              <a:t>February 28, 2023</a:t>
             </a:fld>
             <a:endParaRPr lang="en-US"/>
           </a:p>
@@ -2427,7 +2443,7 @@
           <a:p>
             <a:fld id="{BC011D41-E33C-4BC7-8272-37E8417FD097}" type="datetime4">
               <a:rPr lang="en-US" smtClean="0"/>
-              <a:t>February 26, 2023</a:t>
+              <a:t>February 28, 2023</a:t>
             </a:fld>
             <a:endParaRPr lang="en-US"/>
           </a:p>
@@ -2597,7 +2613,7 @@
           <a:p>
             <a:fld id="{5D340FED-6E95-4177-A7EF-CD303B9E611D}" type="datetime4">
               <a:rPr lang="en-US" smtClean="0"/>
-              <a:t>February 26, 2023</a:t>
+              <a:t>February 28, 2023</a:t>
             </a:fld>
             <a:endParaRPr lang="en-US"/>
           </a:p>
@@ -2843,7 +2859,7 @@
           <a:p>
             <a:fld id="{477962CB-39AD-45A9-800F-54DAB53D6021}" type="datetime4">
               <a:rPr lang="en-US" smtClean="0"/>
-              <a:t>February 26, 2023</a:t>
+              <a:t>February 28, 2023</a:t>
             </a:fld>
             <a:endParaRPr lang="en-US"/>
           </a:p>
@@ -3075,7 +3091,7 @@
           <a:p>
             <a:fld id="{2DEDF93D-55AB-4606-B9D7-742F1FC51983}" type="datetime4">
               <a:rPr lang="en-US" smtClean="0"/>
-              <a:t>February 26, 2023</a:t>
+              <a:t>February 28, 2023</a:t>
             </a:fld>
             <a:endParaRPr lang="en-US" dirty="0"/>
           </a:p>
@@ -3443,7 +3459,7 @@
             <a:fld id="{A33960BD-7AC1-4217-9611-AAA56D3EE38F}" type="datetime4">
               <a:rPr lang="en-US" smtClean="0"/>
               <a:pPr/>
-              <a:t>February 26, 2023</a:t>
+              <a:t>February 28, 2023</a:t>
             </a:fld>
             <a:endParaRPr lang="en-US" dirty="0">
               <a:latin typeface="+mn-lt"/>
@@ -3569,7 +3585,7 @@
           <a:p>
             <a:fld id="{118537E9-D174-424D-BEE8-AFC4CA5F9F97}" type="datetime4">
               <a:rPr lang="en-US" smtClean="0"/>
-              <a:t>February 26, 2023</a:t>
+              <a:t>February 28, 2023</a:t>
             </a:fld>
             <a:endParaRPr lang="en-US"/>
           </a:p>
@@ -3664,7 +3680,7 @@
           <a:p>
             <a:fld id="{1C7A44C0-F7AC-49C2-8289-1E7A86D9FB50}" type="datetime4">
               <a:rPr lang="en-US" smtClean="0"/>
-              <a:t>February 26, 2023</a:t>
+              <a:t>February 28, 2023</a:t>
             </a:fld>
             <a:endParaRPr lang="en-US"/>
           </a:p>
@@ -3941,7 +3957,7 @@
           <a:p>
             <a:fld id="{73BB84BC-6E78-40D1-8831-40AB1F596614}" type="datetime4">
               <a:rPr lang="en-US" smtClean="0"/>
-              <a:t>February 26, 2023</a:t>
+              <a:t>February 28, 2023</a:t>
             </a:fld>
             <a:endParaRPr lang="en-US"/>
           </a:p>
@@ -4198,7 +4214,7 @@
           <a:p>
             <a:fld id="{ADFA080F-3961-4D42-BEDE-84A1FED032F1}" type="datetime4">
               <a:rPr lang="en-US" smtClean="0"/>
-              <a:t>February 26, 2023</a:t>
+              <a:t>February 28, 2023</a:t>
             </a:fld>
             <a:endParaRPr lang="en-US"/>
           </a:p>
@@ -4432,7 +4448,7 @@
             <a:fld id="{A33960BD-7AC1-4217-9611-AAA56D3EE38F}" type="datetime4">
               <a:rPr lang="en-US" smtClean="0"/>
               <a:pPr/>
-              <a:t>February 26, 2023</a:t>
+              <a:t>February 28, 2023</a:t>
             </a:fld>
             <a:endParaRPr lang="en-US" dirty="0">
               <a:latin typeface="+mn-lt"/>
@@ -16050,7 +16066,29 @@
                 </a:solidFill>
                 <a:latin typeface="Corbel" panose="020B0503020204020204" pitchFamily="34" charset="0"/>
               </a:rPr>
-              <a:t>stronger shareholder control and high alignment of interests between shareholders and managers may intensify conflict of interest </a:t>
+              <a:t>stronger shareholder control and high alignment of interests between shareholders and managers may </a:t>
+            </a:r>
+            <a:r>
+              <a:rPr lang="en-US" sz="2000" b="1" i="1">
+                <a:solidFill>
+                  <a:schemeClr val="bg2">
+                    <a:lumMod val="25000"/>
+                  </a:schemeClr>
+                </a:solidFill>
+                <a:latin typeface="Corbel" panose="020B0503020204020204" pitchFamily="34" charset="0"/>
+              </a:rPr>
+              <a:t>intensify conflicts </a:t>
+            </a:r>
+            <a:r>
+              <a:rPr lang="en-US" sz="2000" b="1" i="1" dirty="0">
+                <a:solidFill>
+                  <a:schemeClr val="bg2">
+                    <a:lumMod val="25000"/>
+                  </a:schemeClr>
+                </a:solidFill>
+                <a:latin typeface="Corbel" panose="020B0503020204020204" pitchFamily="34" charset="0"/>
+              </a:rPr>
+              <a:t>of interest </a:t>
             </a:r>
             <a:r>
               <a:rPr lang="en-US" sz="2000" i="1" dirty="0">

--- a/content/talks/Financial Economics Seminar 2023/files/atp-cost-of-borrowing_disloyal-managers.pptx
+++ b/content/talks/Financial Economics Seminar 2023/files/atp-cost-of-borrowing_disloyal-managers.pptx
@@ -1938,10 +1938,25 @@
   <pc:docChgLst>
     <pc:chgData name="Bozman, Adam Nathaniel" userId="f0638ef9-1deb-4360-a9b3-4111be3bf51a" providerId="ADAL" clId="{D8C48C24-E634-47CA-801F-90717D5C5D3D}"/>
     <pc:docChg chg="modSld">
-      <pc:chgData name="Bozman, Adam Nathaniel" userId="f0638ef9-1deb-4360-a9b3-4111be3bf51a" providerId="ADAL" clId="{D8C48C24-E634-47CA-801F-90717D5C5D3D}" dt="2023-02-28T17:09:14.510" v="0" actId="20577"/>
+      <pc:chgData name="Bozman, Adam Nathaniel" userId="f0638ef9-1deb-4360-a9b3-4111be3bf51a" providerId="ADAL" clId="{D8C48C24-E634-47CA-801F-90717D5C5D3D}" dt="2023-02-28T22:38:53.371" v="7" actId="20577"/>
       <pc:docMkLst>
         <pc:docMk/>
       </pc:docMkLst>
+      <pc:sldChg chg="modSp mod">
+        <pc:chgData name="Bozman, Adam Nathaniel" userId="f0638ef9-1deb-4360-a9b3-4111be3bf51a" providerId="ADAL" clId="{D8C48C24-E634-47CA-801F-90717D5C5D3D}" dt="2023-02-28T22:38:53.371" v="7" actId="20577"/>
+        <pc:sldMkLst>
+          <pc:docMk/>
+          <pc:sldMk cId="805916559" sldId="261"/>
+        </pc:sldMkLst>
+        <pc:spChg chg="mod">
+          <ac:chgData name="Bozman, Adam Nathaniel" userId="f0638ef9-1deb-4360-a9b3-4111be3bf51a" providerId="ADAL" clId="{D8C48C24-E634-47CA-801F-90717D5C5D3D}" dt="2023-02-28T22:38:53.371" v="7" actId="20577"/>
+          <ac:spMkLst>
+            <pc:docMk/>
+            <pc:sldMk cId="805916559" sldId="261"/>
+            <ac:spMk id="2" creationId="{900AD881-4292-3942-BA86-91F62FAFA2BA}"/>
+          </ac:spMkLst>
+        </pc:spChg>
+      </pc:sldChg>
       <pc:sldChg chg="modSp mod">
         <pc:chgData name="Bozman, Adam Nathaniel" userId="f0638ef9-1deb-4360-a9b3-4111be3bf51a" providerId="ADAL" clId="{D8C48C24-E634-47CA-801F-90717D5C5D3D}" dt="2023-02-28T17:09:14.510" v="0" actId="20577"/>
         <pc:sldMkLst>
@@ -8500,7 +8515,7 @@
                 <a:latin typeface="Corbel" panose="020B0503020204020204" pitchFamily="34" charset="0"/>
                 <a:cs typeface="Calibri" panose="020F0502020204030204" pitchFamily="34" charset="0"/>
               </a:rPr>
-              <a:t>What is the Effectiveness of Shareholder Governance (ATPs)?</a:t>
+              <a:t>What is the Effect of Shareholder Governance (ATPs)?</a:t>
             </a:r>
           </a:p>
         </p:txBody>
